--- a/chapter-05/01-netpol/05_01_netpol.pptx
+++ b/chapter-05/01-netpol/05_01_netpol.pptx
@@ -15376,8 +15376,13 @@
           <a:p>
             <a:r>
               <a:rPr lang="en-US" dirty="0"/>
-              <a:t>You have the following Pods in namespace ‘chapter-05’: pod-a, pod-b, and target-pod</a:t>
-            </a:r>
+              <a:t>You have the following Pods in namespace ‘chapter-05’: pod-a, pod-b, and </a:t>
+            </a:r>
+            <a:r>
+              <a:rPr lang="en-US" dirty="0" err="1"/>
+              <a:t>mypod</a:t>
+            </a:r>
+            <a:endParaRPr lang="en-US" dirty="0"/>
           </a:p>
           <a:p>
             <a:r>
@@ -15390,7 +15395,15 @@
             </a:r>
             <a:r>
               <a:rPr lang="en-US" dirty="0"/>
-              <a:t>’ to ensure that ‘target-pod’ allows traffic only to and from ‘pod-a’ and ‘pod-b’</a:t>
+              <a:t>’ to ensure that ‘</a:t>
+            </a:r>
+            <a:r>
+              <a:rPr lang="en-US" dirty="0" err="1"/>
+              <a:t>mypod</a:t>
+            </a:r>
+            <a:r>
+              <a:rPr lang="en-US" dirty="0"/>
+              <a:t>’ allows traffic only to and from ‘pod-a’ and ‘pod-b’</a:t>
             </a:r>
           </a:p>
         </p:txBody>
